--- a/assets/Poster.pptx
+++ b/assets/Poster.pptx
@@ -193,7 +193,7 @@
             </a:lvl1pPr>
           </a:lstStyle>
           <a:p>
-            <a:endParaRPr/>
+            <a:endParaRPr dirty="0"/>
           </a:p>
         </p:txBody>
       </p:sp>
@@ -224,9 +224,9 @@
           <a:p>
             <a:fld id="{1D8BD707-D9CF-40AE-B4C6-C98DA3205C09}" type="datetimeFigureOut">
               <a:rPr lang="en-US"/>
-              <a:t>6/1/2022</a:t>
+              <a:t>6/9/2022</a:t>
             </a:fld>
-            <a:endParaRPr lang="en-US"/>
+            <a:endParaRPr lang="en-US" dirty="0"/>
           </a:p>
         </p:txBody>
       </p:sp>
@@ -258,7 +258,7 @@
             <a:fld id="{B6F15528-21DE-4FAA-801E-634DDDAF4B2B}" type="slidenum">
               <a:t>‹#›</a:t>
             </a:fld>
-            <a:endParaRPr/>
+            <a:endParaRPr dirty="0"/>
           </a:p>
         </p:txBody>
       </p:sp>
@@ -372,7 +372,7 @@
           <a:bodyPr wrap="square" lIns="0" tIns="0" rIns="0" bIns="0" rtlCol="0"/>
           <a:lstStyle/>
           <a:p>
-            <a:endParaRPr sz="5524"/>
+            <a:endParaRPr sz="5524" dirty="0"/>
           </a:p>
         </p:txBody>
       </p:sp>
@@ -407,7 +407,7 @@
           <a:bodyPr wrap="square" lIns="0" tIns="0" rIns="0" bIns="0" rtlCol="0"/>
           <a:lstStyle/>
           <a:p>
-            <a:endParaRPr sz="5524"/>
+            <a:endParaRPr sz="5524" dirty="0"/>
           </a:p>
         </p:txBody>
       </p:sp>
@@ -489,7 +489,7 @@
           <a:bodyPr wrap="square" lIns="0" tIns="0" rIns="0" bIns="0" rtlCol="0"/>
           <a:lstStyle/>
           <a:p>
-            <a:endParaRPr sz="5524"/>
+            <a:endParaRPr sz="5524" dirty="0"/>
           </a:p>
         </p:txBody>
       </p:sp>
@@ -538,7 +538,7 @@
           <a:bodyPr wrap="square" lIns="0" tIns="0" rIns="0" bIns="0" rtlCol="0"/>
           <a:lstStyle/>
           <a:p>
-            <a:endParaRPr sz="5524"/>
+            <a:endParaRPr sz="5524" dirty="0"/>
           </a:p>
         </p:txBody>
       </p:sp>
@@ -585,7 +585,7 @@
           <a:bodyPr wrap="square" lIns="0" tIns="0" rIns="0" bIns="0" rtlCol="0"/>
           <a:lstStyle/>
           <a:p>
-            <a:endParaRPr sz="5524"/>
+            <a:endParaRPr sz="5524" dirty="0"/>
           </a:p>
         </p:txBody>
       </p:sp>
@@ -887,7 +887,7 @@
           <a:bodyPr wrap="square" lIns="0" tIns="0" rIns="0" bIns="0" rtlCol="0"/>
           <a:lstStyle/>
           <a:p>
-            <a:endParaRPr sz="5524"/>
+            <a:endParaRPr sz="5524" dirty="0"/>
           </a:p>
         </p:txBody>
       </p:sp>
@@ -970,7 +970,7 @@
           <a:bodyPr wrap="square" lIns="0" tIns="0" rIns="0" bIns="0" rtlCol="0"/>
           <a:lstStyle/>
           <a:p>
-            <a:endParaRPr sz="5524"/>
+            <a:endParaRPr sz="5524" dirty="0"/>
           </a:p>
         </p:txBody>
       </p:sp>
@@ -1221,7 +1221,7 @@
           <a:bodyPr wrap="square" lIns="0" tIns="0" rIns="0" bIns="0" rtlCol="0"/>
           <a:lstStyle/>
           <a:p>
-            <a:endParaRPr sz="5524"/>
+            <a:endParaRPr sz="5524" dirty="0"/>
           </a:p>
         </p:txBody>
       </p:sp>
@@ -1274,7 +1274,7 @@
           <a:bodyPr wrap="square" lIns="0" tIns="0" rIns="0" bIns="0" rtlCol="0"/>
           <a:lstStyle/>
           <a:p>
-            <a:endParaRPr sz="5524"/>
+            <a:endParaRPr sz="5524" dirty="0"/>
           </a:p>
         </p:txBody>
       </p:sp>
@@ -1405,7 +1405,7 @@
           <a:bodyPr wrap="square" lIns="0" tIns="0" rIns="0" bIns="0" rtlCol="0"/>
           <a:lstStyle/>
           <a:p>
-            <a:endParaRPr sz="5524"/>
+            <a:endParaRPr sz="5524" dirty="0"/>
           </a:p>
         </p:txBody>
       </p:sp>
@@ -1455,7 +1455,7 @@
           <a:bodyPr wrap="square" lIns="0" tIns="0" rIns="0" bIns="0" rtlCol="0"/>
           <a:lstStyle/>
           <a:p>
-            <a:endParaRPr sz="5524"/>
+            <a:endParaRPr sz="5524" dirty="0"/>
           </a:p>
         </p:txBody>
       </p:sp>
@@ -1505,7 +1505,7 @@
           <a:bodyPr wrap="square" lIns="0" tIns="0" rIns="0" bIns="0" rtlCol="0"/>
           <a:lstStyle/>
           <a:p>
-            <a:endParaRPr sz="5524"/>
+            <a:endParaRPr sz="5524" dirty="0"/>
           </a:p>
         </p:txBody>
       </p:sp>
@@ -1547,7 +1547,7 @@
           <a:bodyPr wrap="square" lIns="0" tIns="0" rIns="0" bIns="0" rtlCol="0"/>
           <a:lstStyle/>
           <a:p>
-            <a:endParaRPr sz="5524"/>
+            <a:endParaRPr sz="5524" dirty="0"/>
           </a:p>
         </p:txBody>
       </p:sp>
@@ -1597,7 +1597,7 @@
           <a:bodyPr wrap="square" lIns="0" tIns="0" rIns="0" bIns="0" rtlCol="0"/>
           <a:lstStyle/>
           <a:p>
-            <a:endParaRPr sz="5524"/>
+            <a:endParaRPr sz="5524" dirty="0"/>
           </a:p>
         </p:txBody>
       </p:sp>
@@ -1639,7 +1639,7 @@
           <a:bodyPr wrap="square" lIns="0" tIns="0" rIns="0" bIns="0" rtlCol="0"/>
           <a:lstStyle/>
           <a:p>
-            <a:endParaRPr sz="5524"/>
+            <a:endParaRPr sz="5524" dirty="0"/>
           </a:p>
         </p:txBody>
       </p:sp>
@@ -1681,7 +1681,7 @@
           <a:bodyPr wrap="square" lIns="0" tIns="0" rIns="0" bIns="0" rtlCol="0"/>
           <a:lstStyle/>
           <a:p>
-            <a:endParaRPr sz="5524"/>
+            <a:endParaRPr sz="5524" dirty="0"/>
           </a:p>
         </p:txBody>
       </p:sp>
@@ -1723,7 +1723,7 @@
           <a:bodyPr wrap="square" lIns="0" tIns="0" rIns="0" bIns="0" rtlCol="0"/>
           <a:lstStyle/>
           <a:p>
-            <a:endParaRPr sz="5524"/>
+            <a:endParaRPr sz="5524" dirty="0"/>
           </a:p>
         </p:txBody>
       </p:sp>
@@ -1765,7 +1765,7 @@
           <a:bodyPr wrap="square" lIns="0" tIns="0" rIns="0" bIns="0" rtlCol="0"/>
           <a:lstStyle/>
           <a:p>
-            <a:endParaRPr sz="5524"/>
+            <a:endParaRPr sz="5524" dirty="0"/>
           </a:p>
         </p:txBody>
       </p:sp>
@@ -1857,7 +1857,7 @@
           <a:bodyPr wrap="square" lIns="0" tIns="0" rIns="0" bIns="0" rtlCol="0"/>
           <a:lstStyle/>
           <a:p>
-            <a:endParaRPr sz="5524"/>
+            <a:endParaRPr sz="5524" dirty="0"/>
           </a:p>
         </p:txBody>
       </p:sp>
@@ -1991,7 +1991,7 @@
           <a:bodyPr wrap="square" lIns="0" tIns="0" rIns="0" bIns="0" rtlCol="0"/>
           <a:lstStyle/>
           <a:p>
-            <a:endParaRPr sz="5524"/>
+            <a:endParaRPr sz="5524" dirty="0"/>
           </a:p>
         </p:txBody>
       </p:sp>
@@ -2041,7 +2041,7 @@
           <a:bodyPr wrap="square" lIns="0" tIns="0" rIns="0" bIns="0" rtlCol="0"/>
           <a:lstStyle/>
           <a:p>
-            <a:endParaRPr sz="5524"/>
+            <a:endParaRPr sz="5524" dirty="0"/>
           </a:p>
         </p:txBody>
       </p:sp>
@@ -2127,7 +2127,7 @@
           <a:bodyPr wrap="square" lIns="0" tIns="0" rIns="0" bIns="0" rtlCol="0"/>
           <a:lstStyle/>
           <a:p>
-            <a:endParaRPr sz="5524"/>
+            <a:endParaRPr sz="5524" dirty="0"/>
           </a:p>
         </p:txBody>
       </p:sp>
@@ -2177,7 +2177,7 @@
           <a:bodyPr wrap="square" lIns="0" tIns="0" rIns="0" bIns="0" rtlCol="0"/>
           <a:lstStyle/>
           <a:p>
-            <a:endParaRPr sz="5524"/>
+            <a:endParaRPr sz="5524" dirty="0"/>
           </a:p>
         </p:txBody>
       </p:sp>
@@ -3655,7 +3655,7 @@
           <a:bodyPr wrap="square" lIns="0" tIns="0" rIns="0" bIns="0" rtlCol="0"/>
           <a:lstStyle/>
           <a:p>
-            <a:endParaRPr sz="5524"/>
+            <a:endParaRPr sz="5524" dirty="0"/>
           </a:p>
         </p:txBody>
       </p:sp>
@@ -3684,7 +3684,7 @@
           <a:bodyPr wrap="square" lIns="0" tIns="0" rIns="0" bIns="0" rtlCol="0"/>
           <a:lstStyle/>
           <a:p>
-            <a:endParaRPr sz="5524"/>
+            <a:endParaRPr sz="5524" dirty="0"/>
           </a:p>
         </p:txBody>
       </p:sp>
@@ -3726,7 +3726,7 @@
           <a:bodyPr wrap="square" lIns="0" tIns="0" rIns="0" bIns="0" rtlCol="0"/>
           <a:lstStyle/>
           <a:p>
-            <a:endParaRPr sz="5524"/>
+            <a:endParaRPr sz="5524" dirty="0"/>
           </a:p>
         </p:txBody>
       </p:sp>
@@ -3768,7 +3768,7 @@
           <a:bodyPr wrap="square" lIns="0" tIns="0" rIns="0" bIns="0" rtlCol="0"/>
           <a:lstStyle/>
           <a:p>
-            <a:endParaRPr sz="5524"/>
+            <a:endParaRPr sz="5524" dirty="0"/>
           </a:p>
         </p:txBody>
       </p:sp>
@@ -3810,7 +3810,7 @@
           <a:bodyPr wrap="square" lIns="0" tIns="0" rIns="0" bIns="0" rtlCol="0"/>
           <a:lstStyle/>
           <a:p>
-            <a:endParaRPr sz="5524"/>
+            <a:endParaRPr sz="5524" dirty="0"/>
           </a:p>
         </p:txBody>
       </p:sp>
@@ -3852,7 +3852,7 @@
           <a:bodyPr wrap="square" lIns="0" tIns="0" rIns="0" bIns="0" rtlCol="0"/>
           <a:lstStyle/>
           <a:p>
-            <a:endParaRPr sz="5524"/>
+            <a:endParaRPr sz="5524" dirty="0"/>
           </a:p>
         </p:txBody>
       </p:sp>
@@ -3894,7 +3894,7 @@
           <a:bodyPr wrap="square" lIns="0" tIns="0" rIns="0" bIns="0" rtlCol="0"/>
           <a:lstStyle/>
           <a:p>
-            <a:endParaRPr sz="5524"/>
+            <a:endParaRPr sz="5524" dirty="0"/>
           </a:p>
         </p:txBody>
       </p:sp>
@@ -3962,7 +3962,7 @@
           <a:bodyPr wrap="square" lIns="0" tIns="0" rIns="0" bIns="0" rtlCol="0"/>
           <a:lstStyle/>
           <a:p>
-            <a:endParaRPr sz="5524"/>
+            <a:endParaRPr sz="5524" dirty="0"/>
           </a:p>
         </p:txBody>
       </p:sp>
@@ -4012,7 +4012,7 @@
           <a:bodyPr wrap="square" lIns="0" tIns="0" rIns="0" bIns="0" rtlCol="0"/>
           <a:lstStyle/>
           <a:p>
-            <a:endParaRPr sz="5524"/>
+            <a:endParaRPr sz="5524" dirty="0"/>
           </a:p>
         </p:txBody>
       </p:sp>
@@ -4062,7 +4062,7 @@
           <a:bodyPr wrap="square" lIns="0" tIns="0" rIns="0" bIns="0" rtlCol="0"/>
           <a:lstStyle/>
           <a:p>
-            <a:endParaRPr sz="5524"/>
+            <a:endParaRPr sz="5524" dirty="0"/>
           </a:p>
         </p:txBody>
       </p:sp>
@@ -4160,7 +4160,7 @@
           <a:bodyPr wrap="square" lIns="0" tIns="0" rIns="0" bIns="0" rtlCol="0"/>
           <a:lstStyle/>
           <a:p>
-            <a:endParaRPr sz="5524"/>
+            <a:endParaRPr sz="5524" dirty="0"/>
           </a:p>
         </p:txBody>
       </p:sp>
@@ -4237,7 +4237,7 @@
           <a:bodyPr wrap="square" lIns="0" tIns="0" rIns="0" bIns="0" rtlCol="0"/>
           <a:lstStyle/>
           <a:p>
-            <a:endParaRPr sz="5524"/>
+            <a:endParaRPr sz="5524" dirty="0"/>
           </a:p>
         </p:txBody>
       </p:sp>
@@ -4266,7 +4266,7 @@
           <a:bodyPr wrap="square" lIns="0" tIns="0" rIns="0" bIns="0" rtlCol="0"/>
           <a:lstStyle/>
           <a:p>
-            <a:endParaRPr sz="5524"/>
+            <a:endParaRPr sz="5524" dirty="0"/>
           </a:p>
         </p:txBody>
       </p:sp>
@@ -4385,7 +4385,7 @@
           <a:bodyPr wrap="square" lIns="0" tIns="0" rIns="0" bIns="0" rtlCol="0"/>
           <a:lstStyle/>
           <a:p>
-            <a:endParaRPr sz="5524"/>
+            <a:endParaRPr sz="5524" dirty="0"/>
           </a:p>
         </p:txBody>
       </p:sp>
@@ -5665,7 +5665,7 @@
           <a:bodyPr wrap="square" lIns="0" tIns="0" rIns="0" bIns="0" rtlCol="0"/>
           <a:lstStyle/>
           <a:p>
-            <a:endParaRPr sz="5524"/>
+            <a:endParaRPr sz="5524" dirty="0"/>
           </a:p>
         </p:txBody>
       </p:sp>
@@ -5707,7 +5707,7 @@
           <a:bodyPr wrap="square" lIns="0" tIns="0" rIns="0" bIns="0" rtlCol="0"/>
           <a:lstStyle/>
           <a:p>
-            <a:endParaRPr sz="5524"/>
+            <a:endParaRPr sz="5524" dirty="0"/>
           </a:p>
         </p:txBody>
       </p:sp>
@@ -5749,7 +5749,7 @@
           <a:bodyPr wrap="square" lIns="0" tIns="0" rIns="0" bIns="0" rtlCol="0"/>
           <a:lstStyle/>
           <a:p>
-            <a:endParaRPr sz="5524"/>
+            <a:endParaRPr sz="5524" dirty="0"/>
           </a:p>
         </p:txBody>
       </p:sp>
@@ -5799,7 +5799,7 @@
           <a:bodyPr wrap="square" lIns="0" tIns="0" rIns="0" bIns="0" rtlCol="0"/>
           <a:lstStyle/>
           <a:p>
-            <a:endParaRPr sz="5524"/>
+            <a:endParaRPr sz="5524" dirty="0"/>
           </a:p>
         </p:txBody>
       </p:sp>
@@ -5846,7 +5846,7 @@
           <a:bodyPr wrap="square" lIns="0" tIns="0" rIns="0" bIns="0" rtlCol="0"/>
           <a:lstStyle/>
           <a:p>
-            <a:endParaRPr sz="5524"/>
+            <a:endParaRPr sz="5524" dirty="0"/>
           </a:p>
         </p:txBody>
       </p:sp>
@@ -5888,7 +5888,7 @@
           <a:bodyPr wrap="square" lIns="0" tIns="0" rIns="0" bIns="0" rtlCol="0"/>
           <a:lstStyle/>
           <a:p>
-            <a:endParaRPr sz="5524"/>
+            <a:endParaRPr sz="5524" dirty="0"/>
           </a:p>
         </p:txBody>
       </p:sp>
@@ -5930,7 +5930,7 @@
           <a:bodyPr wrap="square" lIns="0" tIns="0" rIns="0" bIns="0" rtlCol="0"/>
           <a:lstStyle/>
           <a:p>
-            <a:endParaRPr sz="5524"/>
+            <a:endParaRPr sz="5524" dirty="0"/>
           </a:p>
         </p:txBody>
       </p:sp>
@@ -6037,7 +6037,7 @@
           <a:bodyPr wrap="square" lIns="0" tIns="0" rIns="0" bIns="0" rtlCol="0"/>
           <a:lstStyle/>
           <a:p>
-            <a:endParaRPr sz="5524"/>
+            <a:endParaRPr sz="5524" dirty="0"/>
           </a:p>
         </p:txBody>
       </p:sp>
@@ -6150,7 +6150,7 @@
           <a:bodyPr wrap="square" lIns="0" tIns="0" rIns="0" bIns="0" rtlCol="0"/>
           <a:lstStyle/>
           <a:p>
-            <a:endParaRPr sz="5524"/>
+            <a:endParaRPr sz="5524" dirty="0"/>
           </a:p>
         </p:txBody>
       </p:sp>
@@ -6257,7 +6257,7 @@
           <a:bodyPr wrap="square" lIns="0" tIns="0" rIns="0" bIns="0" rtlCol="0"/>
           <a:lstStyle/>
           <a:p>
-            <a:endParaRPr sz="5524"/>
+            <a:endParaRPr sz="5524" dirty="0"/>
           </a:p>
         </p:txBody>
       </p:sp>
@@ -6334,7 +6334,7 @@
           <a:bodyPr wrap="square" lIns="0" tIns="0" rIns="0" bIns="0" rtlCol="0"/>
           <a:lstStyle/>
           <a:p>
-            <a:endParaRPr sz="5524"/>
+            <a:endParaRPr sz="5524" dirty="0"/>
           </a:p>
         </p:txBody>
       </p:sp>
@@ -6376,7 +6376,7 @@
           <a:bodyPr wrap="square" lIns="0" tIns="0" rIns="0" bIns="0" rtlCol="0"/>
           <a:lstStyle/>
           <a:p>
-            <a:endParaRPr sz="5524"/>
+            <a:endParaRPr sz="5524" dirty="0"/>
           </a:p>
         </p:txBody>
       </p:sp>
@@ -6418,7 +6418,7 @@
           <a:bodyPr wrap="square" lIns="0" tIns="0" rIns="0" bIns="0" rtlCol="0"/>
           <a:lstStyle/>
           <a:p>
-            <a:endParaRPr sz="5524"/>
+            <a:endParaRPr sz="5524" dirty="0"/>
           </a:p>
         </p:txBody>
       </p:sp>
@@ -6460,7 +6460,7 @@
           <a:bodyPr wrap="square" lIns="0" tIns="0" rIns="0" bIns="0" rtlCol="0"/>
           <a:lstStyle/>
           <a:p>
-            <a:endParaRPr sz="5524"/>
+            <a:endParaRPr sz="5524" dirty="0"/>
           </a:p>
         </p:txBody>
       </p:sp>
@@ -6502,7 +6502,7 @@
           <a:bodyPr wrap="square" lIns="0" tIns="0" rIns="0" bIns="0" rtlCol="0"/>
           <a:lstStyle/>
           <a:p>
-            <a:endParaRPr sz="5524"/>
+            <a:endParaRPr sz="5524" dirty="0"/>
           </a:p>
         </p:txBody>
       </p:sp>
@@ -6588,7 +6588,7 @@
           <a:bodyPr wrap="square" lIns="0" tIns="0" rIns="0" bIns="0" rtlCol="0"/>
           <a:lstStyle/>
           <a:p>
-            <a:endParaRPr sz="5524"/>
+            <a:endParaRPr sz="5524" dirty="0"/>
           </a:p>
         </p:txBody>
       </p:sp>
@@ -6638,7 +6638,7 @@
           <a:bodyPr wrap="square" lIns="0" tIns="0" rIns="0" bIns="0" rtlCol="0"/>
           <a:lstStyle/>
           <a:p>
-            <a:endParaRPr sz="5524"/>
+            <a:endParaRPr sz="5524" dirty="0"/>
           </a:p>
         </p:txBody>
       </p:sp>
@@ -6688,7 +6688,7 @@
           <a:bodyPr wrap="square" lIns="0" tIns="0" rIns="0" bIns="0" rtlCol="0"/>
           <a:lstStyle/>
           <a:p>
-            <a:endParaRPr sz="5524"/>
+            <a:endParaRPr sz="5524" dirty="0"/>
           </a:p>
         </p:txBody>
       </p:sp>
@@ -6738,7 +6738,7 @@
           <a:bodyPr wrap="square" lIns="0" tIns="0" rIns="0" bIns="0" rtlCol="0"/>
           <a:lstStyle/>
           <a:p>
-            <a:endParaRPr sz="5524"/>
+            <a:endParaRPr sz="5524" dirty="0"/>
           </a:p>
         </p:txBody>
       </p:sp>
@@ -6781,7 +6781,7 @@
           <a:bodyPr wrap="square" lIns="0" tIns="0" rIns="0" bIns="0" rtlCol="0"/>
           <a:lstStyle/>
           <a:p>
-            <a:endParaRPr sz="5524"/>
+            <a:endParaRPr sz="5524" dirty="0"/>
           </a:p>
         </p:txBody>
       </p:sp>
@@ -6824,7 +6824,7 @@
           <a:bodyPr wrap="square" lIns="0" tIns="0" rIns="0" bIns="0" rtlCol="0"/>
           <a:lstStyle/>
           <a:p>
-            <a:endParaRPr sz="5524"/>
+            <a:endParaRPr sz="5524" dirty="0"/>
           </a:p>
         </p:txBody>
       </p:sp>
@@ -6874,7 +6874,7 @@
           <a:bodyPr wrap="square" lIns="0" tIns="0" rIns="0" bIns="0" rtlCol="0"/>
           <a:lstStyle/>
           <a:p>
-            <a:endParaRPr sz="5524"/>
+            <a:endParaRPr sz="5524" dirty="0"/>
           </a:p>
         </p:txBody>
       </p:sp>
@@ -6924,7 +6924,7 @@
           <a:bodyPr wrap="square" lIns="0" tIns="0" rIns="0" bIns="0" rtlCol="0"/>
           <a:lstStyle/>
           <a:p>
-            <a:endParaRPr sz="5524"/>
+            <a:endParaRPr sz="5524" dirty="0"/>
           </a:p>
         </p:txBody>
       </p:sp>
@@ -6974,7 +6974,7 @@
           <a:bodyPr wrap="square" lIns="0" tIns="0" rIns="0" bIns="0" rtlCol="0"/>
           <a:lstStyle/>
           <a:p>
-            <a:endParaRPr sz="5524"/>
+            <a:endParaRPr sz="5524" dirty="0"/>
           </a:p>
         </p:txBody>
       </p:sp>
@@ -7024,7 +7024,7 @@
           <a:bodyPr wrap="square" lIns="0" tIns="0" rIns="0" bIns="0" rtlCol="0"/>
           <a:lstStyle/>
           <a:p>
-            <a:endParaRPr sz="5524"/>
+            <a:endParaRPr sz="5524" dirty="0"/>
           </a:p>
         </p:txBody>
       </p:sp>
@@ -7129,7 +7129,7 @@
             </a:lvl1pPr>
           </a:lstStyle>
           <a:p>
-            <a:endParaRPr/>
+            <a:endParaRPr dirty="0"/>
           </a:p>
         </p:txBody>
       </p:sp>
@@ -7170,9 +7170,9 @@
           <a:p>
             <a:fld id="{1D8BD707-D9CF-40AE-B4C6-C98DA3205C09}" type="datetimeFigureOut">
               <a:rPr lang="en-US"/>
-              <a:t>6/1/2022</a:t>
+              <a:t>6/9/2022</a:t>
             </a:fld>
-            <a:endParaRPr lang="en-US"/>
+            <a:endParaRPr lang="en-US" dirty="0"/>
           </a:p>
         </p:txBody>
       </p:sp>
@@ -7214,7 +7214,7 @@
             <a:fld id="{B6F15528-21DE-4FAA-801E-634DDDAF4B2B}" type="slidenum">
               <a:t>‹#›</a:t>
             </a:fld>
-            <a:endParaRPr/>
+            <a:endParaRPr dirty="0"/>
           </a:p>
         </p:txBody>
       </p:sp>
@@ -7421,126 +7421,6 @@
           </a:p>
         </p:txBody>
       </p:sp>
-      <p:sp>
-        <p:nvSpPr>
-          <p:cNvPr id="20" name="TextBox 19">
-            <a:extLst>
-              <a:ext uri="{FF2B5EF4-FFF2-40B4-BE49-F238E27FC236}">
-                <a16:creationId xmlns:a16="http://schemas.microsoft.com/office/drawing/2014/main" id="{B771BD72-8484-4C14-BAD8-21223AF849C5}"/>
-              </a:ext>
-            </a:extLst>
-          </p:cNvPr>
-          <p:cNvSpPr txBox="1"/>
-          <p:nvPr/>
-        </p:nvSpPr>
-        <p:spPr>
-          <a:xfrm>
-            <a:off x="1860627" y="14204658"/>
-            <a:ext cx="20907208" cy="11226150"/>
-          </a:xfrm>
-          <a:prstGeom prst="rect">
-            <a:avLst/>
-          </a:prstGeom>
-          <a:noFill/>
-        </p:spPr>
-        <p:txBody>
-          <a:bodyPr wrap="square" rtlCol="1">
-            <a:spAutoFit/>
-          </a:bodyPr>
-          <a:lstStyle/>
-          <a:p>
-            <a:r>
-              <a:rPr lang="en-US" sz="6029" dirty="0"/>
-              <a:t>photos and graphics – </a:t>
-            </a:r>
-          </a:p>
-          <a:p>
-            <a:r>
-              <a:rPr lang="en-US" sz="6029" dirty="0"/>
-              <a:t>Up to 6 images , with description for each image </a:t>
-            </a:r>
-            <a:r>
-              <a:rPr lang="en-US" sz="3600" dirty="0"/>
-              <a:t>in #36 font (minimum)</a:t>
-            </a:r>
-          </a:p>
-          <a:p>
-            <a:endParaRPr lang="en-US" sz="6029" dirty="0"/>
-          </a:p>
-          <a:p>
-            <a:pPr marL="857250" indent="-857250">
-              <a:buFont typeface="Arial" panose="020B0604020202020204" pitchFamily="34" charset="0"/>
-              <a:buChar char="•"/>
-            </a:pPr>
-            <a:r>
-              <a:rPr lang="en-US" sz="6029" dirty="0"/>
-              <a:t>System diagram/s</a:t>
-            </a:r>
-          </a:p>
-          <a:p>
-            <a:pPr marL="857250" indent="-857250">
-              <a:buFont typeface="Arial" panose="020B0604020202020204" pitchFamily="34" charset="0"/>
-              <a:buChar char="•"/>
-            </a:pPr>
-            <a:r>
-              <a:rPr lang="en-US" sz="6029" dirty="0"/>
-              <a:t>App or GUI screenshot/s (real or diagram)</a:t>
-            </a:r>
-          </a:p>
-          <a:p>
-            <a:pPr marL="857250" indent="-857250">
-              <a:buFont typeface="Arial" panose="020B0604020202020204" pitchFamily="34" charset="0"/>
-              <a:buChar char="•"/>
-            </a:pPr>
-            <a:r>
-              <a:rPr lang="en-US" sz="6029" dirty="0"/>
-              <a:t>Prototype photo/s </a:t>
-            </a:r>
-          </a:p>
-          <a:p>
-            <a:pPr marL="857250" indent="-857250">
-              <a:buFont typeface="Arial" panose="020B0604020202020204" pitchFamily="34" charset="0"/>
-              <a:buChar char="•"/>
-            </a:pPr>
-            <a:r>
-              <a:rPr lang="en-US" sz="6029" dirty="0"/>
-              <a:t>Process diagram or other relevant diagram (</a:t>
-            </a:r>
-            <a:r>
-              <a:rPr lang="en-US" sz="6029" u="sng" dirty="0"/>
-              <a:t>optional</a:t>
-            </a:r>
-            <a:r>
-              <a:rPr lang="en-US" sz="6029" dirty="0"/>
-              <a:t>)</a:t>
-            </a:r>
-          </a:p>
-          <a:p>
-            <a:pPr marL="857250" indent="-857250">
-              <a:buFont typeface="Arial" panose="020B0604020202020204" pitchFamily="34" charset="0"/>
-              <a:buChar char="•"/>
-            </a:pPr>
-            <a:endParaRPr lang="en-US" sz="6029" b="1" dirty="0"/>
-          </a:p>
-          <a:p>
-            <a:pPr marL="857250" indent="-857250">
-              <a:buFont typeface="Arial" panose="020B0604020202020204" pitchFamily="34" charset="0"/>
-              <a:buChar char="•"/>
-            </a:pPr>
-            <a:endParaRPr lang="en-US" sz="6029" b="1" dirty="0"/>
-          </a:p>
-          <a:p>
-            <a:endParaRPr lang="en-US" sz="6029" b="1" dirty="0"/>
-          </a:p>
-          <a:p>
-            <a:endParaRPr lang="en-US" sz="6029" b="1" dirty="0"/>
-          </a:p>
-          <a:p>
-            <a:pPr algn="ctr"/>
-            <a:endParaRPr lang="he-IL" sz="6029" b="1" dirty="0"/>
-          </a:p>
-        </p:txBody>
-      </p:sp>
       <p:pic>
         <p:nvPicPr>
           <p:cNvPr id="23" name="Picture 22"/>
@@ -7655,15 +7535,7 @@
             </a:pPr>
             <a:r>
               <a:rPr lang="en-US" sz="5400" dirty="0"/>
-              <a:t>The painting is sent through the cloud (</a:t>
-            </a:r>
-            <a:r>
-              <a:rPr lang="en-US" sz="5400" dirty="0" err="1"/>
-              <a:t>FireBase</a:t>
-            </a:r>
-            <a:r>
-              <a:rPr lang="en-US" sz="5400" dirty="0"/>
-              <a:t>) and downloaded by the robot, which moves three motors attached to a brush, strap and metal bars, and paints the user draw.</a:t>
+              <a:t>The painting is sent through the cloud (FireBase) and downloaded by the robot, which moves three motors attached to a brush, strap and metal bars, and paints the user draw.</a:t>
             </a:r>
           </a:p>
         </p:txBody>
@@ -7698,60 +7570,344 @@
           <a:p>
             <a:pPr algn="ctr"/>
             <a:r>
-              <a:rPr lang="en-US" sz="4800" b="1" dirty="0" err="1"/>
-              <a:t>Eyal</a:t>
-            </a:r>
-            <a:r>
               <a:rPr lang="en-US" sz="4800" b="1" dirty="0"/>
-              <a:t> </a:t>
-            </a:r>
-            <a:r>
-              <a:rPr lang="en-US" sz="4800" b="1" dirty="0" err="1"/>
-              <a:t>Attiya</a:t>
-            </a:r>
-            <a:r>
-              <a:rPr lang="en-US" sz="4800" b="1" dirty="0"/>
-              <a:t>, Ron </a:t>
-            </a:r>
-            <a:r>
-              <a:rPr lang="en-US" sz="4800" b="1" dirty="0" err="1"/>
-              <a:t>Dahan</a:t>
-            </a:r>
-            <a:r>
-              <a:rPr lang="en-US" sz="4800" b="1" dirty="0"/>
-              <a:t>, Renen Kantor</a:t>
+              <a:t>Eyal Attiya, Ron Dahan, Renen Kantor</a:t>
             </a:r>
           </a:p>
           <a:p>
             <a:pPr algn="ctr"/>
             <a:r>
               <a:rPr lang="en-US" sz="4800" b="1" dirty="0"/>
-              <a:t>Instructors -  Tom </a:t>
+              <a:t>Instructors -  Tom Sofer, Harel Vaknin</a:t>
             </a:r>
-            <a:r>
-              <a:rPr lang="en-US" sz="4800" b="1" dirty="0" err="1"/>
-              <a:t>Sofer</a:t>
-            </a:r>
-            <a:r>
-              <a:rPr lang="en-US" sz="4800" b="1" dirty="0"/>
-              <a:t>, </a:t>
-            </a:r>
-            <a:r>
-              <a:rPr lang="en-US" sz="4800" b="1" dirty="0" err="1"/>
-              <a:t>Harel</a:t>
-            </a:r>
-            <a:r>
-              <a:rPr lang="en-US" sz="4800" b="1" dirty="0"/>
-              <a:t> </a:t>
-            </a:r>
-            <a:r>
-              <a:rPr lang="en-US" sz="4800" b="1" dirty="0" err="1"/>
-              <a:t>Vaknin</a:t>
-            </a:r>
-            <a:endParaRPr lang="en-US" sz="4800" b="1" dirty="0"/>
           </a:p>
         </p:txBody>
       </p:sp>
+      <p:pic>
+        <p:nvPicPr>
+          <p:cNvPr id="5" name="Picture 4">
+            <a:extLst>
+              <a:ext uri="{FF2B5EF4-FFF2-40B4-BE49-F238E27FC236}">
+                <a16:creationId xmlns:a16="http://schemas.microsoft.com/office/drawing/2014/main" id="{2F669C0B-2B83-090A-271D-7C2992451B9F}"/>
+              </a:ext>
+            </a:extLst>
+          </p:cNvPr>
+          <p:cNvPicPr>
+            <a:picLocks noChangeAspect="1"/>
+          </p:cNvPicPr>
+          <p:nvPr/>
+        </p:nvPicPr>
+        <p:blipFill>
+          <a:blip r:embed="rId4"/>
+          <a:stretch>
+            <a:fillRect/>
+          </a:stretch>
+        </p:blipFill>
+        <p:spPr>
+          <a:xfrm>
+            <a:off x="11905655" y="23671484"/>
+            <a:ext cx="10880359" cy="5605778"/>
+          </a:xfrm>
+          <a:prstGeom prst="rect">
+            <a:avLst/>
+          </a:prstGeom>
+        </p:spPr>
+      </p:pic>
+      <p:cxnSp>
+        <p:nvCxnSpPr>
+          <p:cNvPr id="10" name="Connector: Curved 9">
+            <a:extLst>
+              <a:ext uri="{FF2B5EF4-FFF2-40B4-BE49-F238E27FC236}">
+                <a16:creationId xmlns:a16="http://schemas.microsoft.com/office/drawing/2014/main" id="{A31E6DD4-43F3-3337-C39A-33D10B2D6912}"/>
+              </a:ext>
+            </a:extLst>
+          </p:cNvPr>
+          <p:cNvCxnSpPr>
+            <a:cxnSpLocks/>
+          </p:cNvCxnSpPr>
+          <p:nvPr/>
+        </p:nvCxnSpPr>
+        <p:spPr>
+          <a:xfrm rot="10800000">
+            <a:off x="19146837" y="29555675"/>
+            <a:ext cx="1999404" cy="1266169"/>
+          </a:xfrm>
+          <a:prstGeom prst="curvedConnector3">
+            <a:avLst>
+              <a:gd name="adj1" fmla="val 50000"/>
+            </a:avLst>
+          </a:prstGeom>
+          <a:ln w="76200">
+            <a:tailEnd type="triangle"/>
+          </a:ln>
+        </p:spPr>
+        <p:style>
+          <a:lnRef idx="1">
+            <a:schemeClr val="dk1"/>
+          </a:lnRef>
+          <a:fillRef idx="0">
+            <a:schemeClr val="dk1"/>
+          </a:fillRef>
+          <a:effectRef idx="0">
+            <a:schemeClr val="dk1"/>
+          </a:effectRef>
+          <a:fontRef idx="minor">
+            <a:schemeClr val="tx1"/>
+          </a:fontRef>
+        </p:style>
+      </p:cxnSp>
+      <p:sp>
+        <p:nvSpPr>
+          <p:cNvPr id="12" name="TextBox 11">
+            <a:extLst>
+              <a:ext uri="{FF2B5EF4-FFF2-40B4-BE49-F238E27FC236}">
+                <a16:creationId xmlns:a16="http://schemas.microsoft.com/office/drawing/2014/main" id="{A2697179-F271-ECA8-21CF-39F465FF93B6}"/>
+              </a:ext>
+            </a:extLst>
+          </p:cNvPr>
+          <p:cNvSpPr txBox="1"/>
+          <p:nvPr/>
+        </p:nvSpPr>
+        <p:spPr>
+          <a:xfrm>
+            <a:off x="19885287" y="30798791"/>
+            <a:ext cx="2521909" cy="707886"/>
+          </a:xfrm>
+          <a:prstGeom prst="rect">
+            <a:avLst/>
+          </a:prstGeom>
+          <a:noFill/>
+        </p:spPr>
+        <p:txBody>
+          <a:bodyPr wrap="none" rtlCol="1">
+            <a:spAutoFit/>
+          </a:bodyPr>
+          <a:lstStyle/>
+          <a:p>
+            <a:r>
+              <a:rPr lang="en-US" sz="4000" dirty="0"/>
+              <a:t>Flutter App</a:t>
+            </a:r>
+            <a:endParaRPr lang="he-IL" sz="4000" dirty="0"/>
+          </a:p>
+        </p:txBody>
+      </p:sp>
+      <p:cxnSp>
+        <p:nvCxnSpPr>
+          <p:cNvPr id="14" name="Connector: Curved 13">
+            <a:extLst>
+              <a:ext uri="{FF2B5EF4-FFF2-40B4-BE49-F238E27FC236}">
+                <a16:creationId xmlns:a16="http://schemas.microsoft.com/office/drawing/2014/main" id="{94FCB854-206C-87AB-8158-12CC650DAD94}"/>
+              </a:ext>
+            </a:extLst>
+          </p:cNvPr>
+          <p:cNvCxnSpPr>
+            <a:cxnSpLocks/>
+          </p:cNvCxnSpPr>
+          <p:nvPr/>
+        </p:nvCxnSpPr>
+        <p:spPr>
+          <a:xfrm rot="10800000">
+            <a:off x="9823677" y="29802733"/>
+            <a:ext cx="2858486" cy="1019108"/>
+          </a:xfrm>
+          <a:prstGeom prst="curvedConnector3">
+            <a:avLst/>
+          </a:prstGeom>
+          <a:ln w="76200">
+            <a:tailEnd type="triangle"/>
+          </a:ln>
+        </p:spPr>
+        <p:style>
+          <a:lnRef idx="1">
+            <a:schemeClr val="dk1"/>
+          </a:lnRef>
+          <a:fillRef idx="0">
+            <a:schemeClr val="dk1"/>
+          </a:fillRef>
+          <a:effectRef idx="0">
+            <a:schemeClr val="dk1"/>
+          </a:effectRef>
+          <a:fontRef idx="minor">
+            <a:schemeClr val="tx1"/>
+          </a:fontRef>
+        </p:style>
+      </p:cxnSp>
+      <p:sp>
+        <p:nvSpPr>
+          <p:cNvPr id="24" name="TextBox 23">
+            <a:extLst>
+              <a:ext uri="{FF2B5EF4-FFF2-40B4-BE49-F238E27FC236}">
+                <a16:creationId xmlns:a16="http://schemas.microsoft.com/office/drawing/2014/main" id="{598CB4B9-804D-B999-52AA-DE9B46831134}"/>
+              </a:ext>
+            </a:extLst>
+          </p:cNvPr>
+          <p:cNvSpPr txBox="1"/>
+          <p:nvPr/>
+        </p:nvSpPr>
+        <p:spPr>
+          <a:xfrm>
+            <a:off x="13042800" y="30420585"/>
+            <a:ext cx="3623364" cy="707886"/>
+          </a:xfrm>
+          <a:prstGeom prst="rect">
+            <a:avLst/>
+          </a:prstGeom>
+          <a:noFill/>
+        </p:spPr>
+        <p:txBody>
+          <a:bodyPr wrap="none" rtlCol="1">
+            <a:spAutoFit/>
+          </a:bodyPr>
+          <a:lstStyle/>
+          <a:p>
+            <a:r>
+              <a:rPr lang="en-US" sz="4000" dirty="0"/>
+              <a:t>Robot Prototype</a:t>
+            </a:r>
+            <a:endParaRPr lang="he-IL" sz="4000" dirty="0"/>
+          </a:p>
+        </p:txBody>
+      </p:sp>
+      <p:pic>
+        <p:nvPicPr>
+          <p:cNvPr id="21" name="Picture 20">
+            <a:extLst>
+              <a:ext uri="{FF2B5EF4-FFF2-40B4-BE49-F238E27FC236}">
+                <a16:creationId xmlns:a16="http://schemas.microsoft.com/office/drawing/2014/main" id="{A51C9A93-EC8B-9D37-9275-7616067102C6}"/>
+              </a:ext>
+            </a:extLst>
+          </p:cNvPr>
+          <p:cNvPicPr>
+            <a:picLocks noChangeAspect="1"/>
+          </p:cNvPicPr>
+          <p:nvPr/>
+        </p:nvPicPr>
+        <p:blipFill>
+          <a:blip r:embed="rId5"/>
+          <a:stretch>
+            <a:fillRect/>
+          </a:stretch>
+        </p:blipFill>
+        <p:spPr>
+          <a:xfrm>
+            <a:off x="1440837" y="23301525"/>
+            <a:ext cx="8028600" cy="7672382"/>
+          </a:xfrm>
+          <a:prstGeom prst="rect">
+            <a:avLst/>
+          </a:prstGeom>
+        </p:spPr>
+      </p:pic>
+      <p:pic>
+        <p:nvPicPr>
+          <p:cNvPr id="27" name="Picture 26">
+            <a:extLst>
+              <a:ext uri="{FF2B5EF4-FFF2-40B4-BE49-F238E27FC236}">
+                <a16:creationId xmlns:a16="http://schemas.microsoft.com/office/drawing/2014/main" id="{A03A81B2-2EE1-D6A9-D35A-4337C0D0A4A8}"/>
+              </a:ext>
+            </a:extLst>
+          </p:cNvPr>
+          <p:cNvPicPr>
+            <a:picLocks noChangeAspect="1"/>
+          </p:cNvPicPr>
+          <p:nvPr/>
+        </p:nvPicPr>
+        <p:blipFill>
+          <a:blip r:embed="rId6"/>
+          <a:stretch>
+            <a:fillRect/>
+          </a:stretch>
+        </p:blipFill>
+        <p:spPr>
+          <a:xfrm>
+            <a:off x="2215507" y="14104461"/>
+            <a:ext cx="19689459" cy="9113495"/>
+          </a:xfrm>
+          <a:prstGeom prst="rect">
+            <a:avLst/>
+          </a:prstGeom>
+        </p:spPr>
+      </p:pic>
+      <p:sp>
+        <p:nvSpPr>
+          <p:cNvPr id="29" name="TextBox 28">
+            <a:extLst>
+              <a:ext uri="{FF2B5EF4-FFF2-40B4-BE49-F238E27FC236}">
+                <a16:creationId xmlns:a16="http://schemas.microsoft.com/office/drawing/2014/main" id="{51A0CA38-B312-3475-2FAA-57D68D12A43B}"/>
+              </a:ext>
+            </a:extLst>
+          </p:cNvPr>
+          <p:cNvSpPr txBox="1"/>
+          <p:nvPr/>
+        </p:nvSpPr>
+        <p:spPr>
+          <a:xfrm>
+            <a:off x="1650732" y="14842216"/>
+            <a:ext cx="3527761" cy="707886"/>
+          </a:xfrm>
+          <a:prstGeom prst="rect">
+            <a:avLst/>
+          </a:prstGeom>
+          <a:noFill/>
+        </p:spPr>
+        <p:txBody>
+          <a:bodyPr wrap="none" rtlCol="1">
+            <a:spAutoFit/>
+          </a:bodyPr>
+          <a:lstStyle/>
+          <a:p>
+            <a:r>
+              <a:rPr lang="en-US" sz="4000" dirty="0"/>
+              <a:t>System Diagram</a:t>
+            </a:r>
+            <a:endParaRPr lang="he-IL" sz="4000" dirty="0"/>
+          </a:p>
+        </p:txBody>
+      </p:sp>
+      <p:cxnSp>
+        <p:nvCxnSpPr>
+          <p:cNvPr id="31" name="Connector: Curved 30">
+            <a:extLst>
+              <a:ext uri="{FF2B5EF4-FFF2-40B4-BE49-F238E27FC236}">
+                <a16:creationId xmlns:a16="http://schemas.microsoft.com/office/drawing/2014/main" id="{C01BF4C8-D786-A3EC-80ED-6E58AEF27BA5}"/>
+              </a:ext>
+            </a:extLst>
+          </p:cNvPr>
+          <p:cNvCxnSpPr>
+            <a:cxnSpLocks/>
+          </p:cNvCxnSpPr>
+          <p:nvPr/>
+        </p:nvCxnSpPr>
+        <p:spPr>
+          <a:xfrm>
+            <a:off x="3414614" y="15775592"/>
+            <a:ext cx="2016223" cy="1684527"/>
+          </a:xfrm>
+          <a:prstGeom prst="curvedConnector3">
+            <a:avLst>
+              <a:gd name="adj1" fmla="val 46817"/>
+            </a:avLst>
+          </a:prstGeom>
+          <a:ln w="76200">
+            <a:tailEnd type="triangle"/>
+          </a:ln>
+        </p:spPr>
+        <p:style>
+          <a:lnRef idx="1">
+            <a:schemeClr val="dk1"/>
+          </a:lnRef>
+          <a:fillRef idx="0">
+            <a:schemeClr val="dk1"/>
+          </a:fillRef>
+          <a:effectRef idx="0">
+            <a:schemeClr val="dk1"/>
+          </a:effectRef>
+          <a:fontRef idx="minor">
+            <a:schemeClr val="tx1"/>
+          </a:fontRef>
+        </p:style>
+      </p:cxnSp>
     </p:spTree>
   </p:cSld>
   <p:clrMapOvr>
